--- a/Network-Security/Module_3_Network_Defense/Lesson_SlammerWorm.pptx
+++ b/Network-Security/Module_3_Network_Defense/Lesson_SlammerWorm.pptx
@@ -295,7 +295,7 @@
               <a:pPr>
                 <a:defRPr/>
               </a:pPr>
-              <a:t>4/13/2018</a:t>
+              <a:t>4/21/18</a:t>
             </a:fld>
             <a:endParaRPr lang="en-US"/>
           </a:p>
@@ -2925,7 +2925,7 @@
           <p:cNvPr id="2" name="Title 1">
             <a:extLst>
               <a:ext uri="{FF2B5EF4-FFF2-40B4-BE49-F238E27FC236}">
-                <a16:creationId xmlns:a16="http://schemas.microsoft.com/office/drawing/2014/main" id="{5C287DE2-E1A2-4F41-96FE-94AF4425CB03}"/>
+                <a16:creationId xmlns="" xmlns:a16="http://schemas.microsoft.com/office/drawing/2014/main" id="{5C287DE2-E1A2-4F41-96FE-94AF4425CB03}"/>
               </a:ext>
             </a:extLst>
           </p:cNvPr>
@@ -2950,6 +2950,10 @@
             </a:lvl1pPr>
           </a:lstStyle>
           <a:p>
+            <a:r>
+              <a:rPr lang="en-US" dirty="0"/>
+              <a:t/>
+            </a:r>
             <a:br>
               <a:rPr lang="en-US" dirty="0"/>
             </a:br>
@@ -2967,27 +2971,59 @@
             <a:br>
               <a:rPr lang="en-US" dirty="0"/>
             </a:br>
+            <a:r>
+              <a:rPr lang="en-US" dirty="0"/>
+              <a:t/>
+            </a:r>
             <a:br>
               <a:rPr lang="en-US" dirty="0"/>
             </a:br>
+            <a:r>
+              <a:rPr lang="en-US" dirty="0"/>
+              <a:t/>
+            </a:r>
             <a:br>
               <a:rPr lang="en-US" dirty="0"/>
             </a:br>
+            <a:r>
+              <a:rPr lang="en-US" dirty="0"/>
+              <a:t/>
+            </a:r>
             <a:br>
               <a:rPr lang="en-US" dirty="0"/>
             </a:br>
+            <a:r>
+              <a:rPr lang="en-US" dirty="0"/>
+              <a:t/>
+            </a:r>
             <a:br>
               <a:rPr lang="en-US" dirty="0"/>
             </a:br>
+            <a:r>
+              <a:rPr lang="en-US" dirty="0"/>
+              <a:t/>
+            </a:r>
             <a:br>
               <a:rPr lang="en-US" dirty="0"/>
             </a:br>
+            <a:r>
+              <a:rPr lang="en-US" dirty="0"/>
+              <a:t/>
+            </a:r>
             <a:br>
               <a:rPr lang="en-US" dirty="0"/>
             </a:br>
+            <a:r>
+              <a:rPr lang="en-US" dirty="0"/>
+              <a:t/>
+            </a:r>
             <a:br>
               <a:rPr lang="en-US" dirty="0"/>
             </a:br>
+            <a:r>
+              <a:rPr lang="en-US" dirty="0"/>
+              <a:t/>
+            </a:r>
             <a:br>
               <a:rPr lang="en-US" dirty="0"/>
             </a:br>
@@ -2998,6 +3034,10 @@
             <a:br>
               <a:rPr lang="en-US" dirty="0"/>
             </a:br>
+            <a:r>
+              <a:rPr lang="en-US" dirty="0"/>
+              <a:t/>
+            </a:r>
             <a:br>
               <a:rPr lang="en-US" dirty="0"/>
             </a:br>
@@ -3008,6 +3048,10 @@
             <a:br>
               <a:rPr lang="en-US" dirty="0"/>
             </a:br>
+            <a:r>
+              <a:rPr lang="en-US" dirty="0"/>
+              <a:t/>
+            </a:r>
             <a:br>
               <a:rPr lang="en-US" dirty="0"/>
             </a:br>
@@ -3027,7 +3071,7 @@
           <p:cNvPr id="3" name="Slide Number Placeholder 2">
             <a:extLst>
               <a:ext uri="{FF2B5EF4-FFF2-40B4-BE49-F238E27FC236}">
-                <a16:creationId xmlns:a16="http://schemas.microsoft.com/office/drawing/2014/main" id="{7D2FFADE-E1BC-48C1-83AA-6DDDD39A33C4}"/>
+                <a16:creationId xmlns="" xmlns:a16="http://schemas.microsoft.com/office/drawing/2014/main" id="{7D2FFADE-E1BC-48C1-83AA-6DDDD39A33C4}"/>
               </a:ext>
             </a:extLst>
           </p:cNvPr>
@@ -3062,7 +3106,7 @@
           <p:cNvPr id="9" name="Picture 8">
             <a:extLst>
               <a:ext uri="{FF2B5EF4-FFF2-40B4-BE49-F238E27FC236}">
-                <a16:creationId xmlns:a16="http://schemas.microsoft.com/office/drawing/2014/main" id="{9CBFC76A-A606-42CF-BCDF-C73975C150B9}"/>
+                <a16:creationId xmlns="" xmlns:a16="http://schemas.microsoft.com/office/drawing/2014/main" id="{9CBFC76A-A606-42CF-BCDF-C73975C150B9}"/>
               </a:ext>
             </a:extLst>
           </p:cNvPr>
@@ -4547,6 +4591,11 @@
           </a:bodyPr>
           <a:lstStyle/>
           <a:p>
+            <a:pPr>
+              <a:lnSpc>
+                <a:spcPts val="1040"/>
+              </a:lnSpc>
+            </a:pPr>
             <a:r>
               <a:rPr lang="en-US" sz="1200" dirty="0">
                 <a:latin typeface="Courier New" pitchFamily="49" charset="0"/>
@@ -4556,6 +4605,11 @@
             </a:r>
           </a:p>
           <a:p>
+            <a:pPr>
+              <a:lnSpc>
+                <a:spcPts val="1040"/>
+              </a:lnSpc>
+            </a:pPr>
             <a:r>
               <a:rPr lang="pt-BR" sz="1200" dirty="0">
                 <a:latin typeface="Courier New" pitchFamily="49" charset="0"/>
@@ -4565,6 +4619,11 @@
             </a:r>
           </a:p>
           <a:p>
+            <a:pPr>
+              <a:lnSpc>
+                <a:spcPts val="1040"/>
+              </a:lnSpc>
+            </a:pPr>
             <a:r>
               <a:rPr lang="en-US" sz="1200" dirty="0">
                 <a:latin typeface="Courier New" pitchFamily="49" charset="0"/>
@@ -4574,6 +4633,11 @@
             </a:r>
           </a:p>
           <a:p>
+            <a:pPr>
+              <a:lnSpc>
+                <a:spcPts val="1040"/>
+              </a:lnSpc>
+            </a:pPr>
             <a:r>
               <a:rPr lang="en-US" sz="1200" dirty="0">
                 <a:latin typeface="Courier New" pitchFamily="49" charset="0"/>
@@ -4583,6 +4647,11 @@
             </a:r>
           </a:p>
           <a:p>
+            <a:pPr>
+              <a:lnSpc>
+                <a:spcPts val="1040"/>
+              </a:lnSpc>
+            </a:pPr>
             <a:r>
               <a:rPr lang="en-US" sz="1200" dirty="0">
                 <a:latin typeface="Courier New" pitchFamily="49" charset="0"/>
@@ -4592,6 +4661,11 @@
             </a:r>
           </a:p>
           <a:p>
+            <a:pPr>
+              <a:lnSpc>
+                <a:spcPts val="1040"/>
+              </a:lnSpc>
+            </a:pPr>
             <a:r>
               <a:rPr lang="en-US" sz="1200" dirty="0">
                 <a:latin typeface="Courier New" pitchFamily="49" charset="0"/>
@@ -4601,6 +4675,11 @@
             </a:r>
           </a:p>
           <a:p>
+            <a:pPr>
+              <a:lnSpc>
+                <a:spcPts val="1040"/>
+              </a:lnSpc>
+            </a:pPr>
             <a:r>
               <a:rPr lang="en-US" sz="1200" dirty="0">
                 <a:latin typeface="Courier New" pitchFamily="49" charset="0"/>
@@ -4610,6 +4689,11 @@
             </a:r>
           </a:p>
           <a:p>
+            <a:pPr>
+              <a:lnSpc>
+                <a:spcPts val="1040"/>
+              </a:lnSpc>
+            </a:pPr>
             <a:r>
               <a:rPr lang="pl-PL" sz="1200" dirty="0">
                 <a:latin typeface="Courier New" pitchFamily="49" charset="0"/>
@@ -4619,6 +4703,11 @@
             </a:r>
           </a:p>
           <a:p>
+            <a:pPr>
+              <a:lnSpc>
+                <a:spcPts val="1040"/>
+              </a:lnSpc>
+            </a:pPr>
             <a:r>
               <a:rPr lang="en-US" sz="1200" dirty="0">
                 <a:latin typeface="Courier New" pitchFamily="49" charset="0"/>
@@ -4628,6 +4717,11 @@
             </a:r>
           </a:p>
           <a:p>
+            <a:pPr>
+              <a:lnSpc>
+                <a:spcPts val="1040"/>
+              </a:lnSpc>
+            </a:pPr>
             <a:r>
               <a:rPr lang="en-US" sz="1200" dirty="0">
                 <a:latin typeface="Courier New" pitchFamily="49" charset="0"/>
@@ -4637,6 +4731,11 @@
             </a:r>
           </a:p>
           <a:p>
+            <a:pPr>
+              <a:lnSpc>
+                <a:spcPts val="1040"/>
+              </a:lnSpc>
+            </a:pPr>
             <a:r>
               <a:rPr lang="en-US" sz="1200" dirty="0">
                 <a:latin typeface="Courier New" pitchFamily="49" charset="0"/>
@@ -4646,6 +4745,11 @@
             </a:r>
           </a:p>
           <a:p>
+            <a:pPr>
+              <a:lnSpc>
+                <a:spcPts val="1040"/>
+              </a:lnSpc>
+            </a:pPr>
             <a:r>
               <a:rPr lang="en-US" sz="1200" dirty="0">
                 <a:latin typeface="Courier New" pitchFamily="49" charset="0"/>
@@ -4655,6 +4759,11 @@
             </a:r>
           </a:p>
           <a:p>
+            <a:pPr>
+              <a:lnSpc>
+                <a:spcPts val="1040"/>
+              </a:lnSpc>
+            </a:pPr>
             <a:r>
               <a:rPr lang="en-US" sz="1200" dirty="0">
                 <a:latin typeface="Courier New" pitchFamily="49" charset="0"/>
@@ -4664,6 +4773,11 @@
             </a:r>
           </a:p>
           <a:p>
+            <a:pPr>
+              <a:lnSpc>
+                <a:spcPts val="1040"/>
+              </a:lnSpc>
+            </a:pPr>
             <a:r>
               <a:rPr lang="pt-BR" sz="1200" dirty="0">
                 <a:latin typeface="Courier New" pitchFamily="49" charset="0"/>
@@ -4673,6 +4787,11 @@
             </a:r>
           </a:p>
           <a:p>
+            <a:pPr>
+              <a:lnSpc>
+                <a:spcPts val="1040"/>
+              </a:lnSpc>
+            </a:pPr>
             <a:r>
               <a:rPr lang="en-US" sz="1200" dirty="0">
                 <a:latin typeface="Courier New" pitchFamily="49" charset="0"/>
@@ -4682,6 +4801,11 @@
             </a:r>
           </a:p>
           <a:p>
+            <a:pPr>
+              <a:lnSpc>
+                <a:spcPts val="1040"/>
+              </a:lnSpc>
+            </a:pPr>
             <a:r>
               <a:rPr lang="en-US" sz="1200" dirty="0">
                 <a:latin typeface="Courier New" pitchFamily="49" charset="0"/>
@@ -4691,6 +4815,11 @@
             </a:r>
           </a:p>
           <a:p>
+            <a:pPr>
+              <a:lnSpc>
+                <a:spcPts val="1040"/>
+              </a:lnSpc>
+            </a:pPr>
             <a:r>
               <a:rPr lang="en-US" sz="1200" dirty="0">
                 <a:latin typeface="Courier New" pitchFamily="49" charset="0"/>
@@ -4700,6 +4829,11 @@
             </a:r>
           </a:p>
           <a:p>
+            <a:pPr>
+              <a:lnSpc>
+                <a:spcPts val="1040"/>
+              </a:lnSpc>
+            </a:pPr>
             <a:r>
               <a:rPr lang="en-US" sz="1200" dirty="0">
                 <a:latin typeface="Courier New" pitchFamily="49" charset="0"/>
@@ -4709,6 +4843,11 @@
             </a:r>
           </a:p>
           <a:p>
+            <a:pPr>
+              <a:lnSpc>
+                <a:spcPts val="1040"/>
+              </a:lnSpc>
+            </a:pPr>
             <a:r>
               <a:rPr lang="en-US" sz="1200" dirty="0">
                 <a:latin typeface="Courier New" pitchFamily="49" charset="0"/>
@@ -4718,6 +4857,11 @@
             </a:r>
           </a:p>
           <a:p>
+            <a:pPr>
+              <a:lnSpc>
+                <a:spcPts val="1040"/>
+              </a:lnSpc>
+            </a:pPr>
             <a:r>
               <a:rPr lang="en-US" sz="1200" dirty="0">
                 <a:latin typeface="Courier New" pitchFamily="49" charset="0"/>
@@ -4727,6 +4871,11 @@
             </a:r>
           </a:p>
           <a:p>
+            <a:pPr>
+              <a:lnSpc>
+                <a:spcPts val="1040"/>
+              </a:lnSpc>
+            </a:pPr>
             <a:r>
               <a:rPr lang="pt-BR" sz="1200" dirty="0">
                 <a:latin typeface="Courier New" pitchFamily="49" charset="0"/>
@@ -4736,6 +4885,11 @@
             </a:r>
           </a:p>
           <a:p>
+            <a:pPr>
+              <a:lnSpc>
+                <a:spcPts val="1040"/>
+              </a:lnSpc>
+            </a:pPr>
             <a:r>
               <a:rPr lang="en-US" sz="1200" dirty="0">
                 <a:latin typeface="Courier New" pitchFamily="49" charset="0"/>
@@ -4745,6 +4899,11 @@
             </a:r>
           </a:p>
           <a:p>
+            <a:pPr>
+              <a:lnSpc>
+                <a:spcPts val="1040"/>
+              </a:lnSpc>
+            </a:pPr>
             <a:r>
               <a:rPr lang="en-US" sz="1200" dirty="0">
                 <a:latin typeface="Courier New" pitchFamily="49" charset="0"/>
@@ -4754,6 +4913,11 @@
             </a:r>
           </a:p>
           <a:p>
+            <a:pPr>
+              <a:lnSpc>
+                <a:spcPts val="1040"/>
+              </a:lnSpc>
+            </a:pPr>
             <a:r>
               <a:rPr lang="en-US" sz="1200" dirty="0">
                 <a:latin typeface="Courier New" pitchFamily="49" charset="0"/>
@@ -6823,7 +6987,7 @@
           <p:cNvPr id="2" name="Title 1">
             <a:extLst>
               <a:ext uri="{FF2B5EF4-FFF2-40B4-BE49-F238E27FC236}">
-                <a16:creationId xmlns:a16="http://schemas.microsoft.com/office/drawing/2014/main" id="{4FDDDE79-84CD-4BD4-8191-64CD17F70EB2}"/>
+                <a16:creationId xmlns="" xmlns:a16="http://schemas.microsoft.com/office/drawing/2014/main" id="{4FDDDE79-84CD-4BD4-8191-64CD17F70EB2}"/>
               </a:ext>
             </a:extLst>
           </p:cNvPr>
@@ -6840,9 +7004,10 @@
           <a:lstStyle/>
           <a:p>
             <a:r>
-              <a:rPr lang="en-US" dirty="0"/>
-              <a:t>Internetworking Module</a:t>
-            </a:r>
+              <a:rPr lang="en-US"/>
+              <a:t>Network Defense Module</a:t>
+            </a:r>
+            <a:endParaRPr lang="en-US" dirty="0"/>
           </a:p>
         </p:txBody>
       </p:sp>
@@ -6851,7 +7016,7 @@
           <p:cNvPr id="3" name="Content Placeholder 2">
             <a:extLst>
               <a:ext uri="{FF2B5EF4-FFF2-40B4-BE49-F238E27FC236}">
-                <a16:creationId xmlns:a16="http://schemas.microsoft.com/office/drawing/2014/main" id="{1E11D7D9-AFF5-4F1C-A116-5D460DCCEF0D}"/>
+                <a16:creationId xmlns="" xmlns:a16="http://schemas.microsoft.com/office/drawing/2014/main" id="{1E11D7D9-AFF5-4F1C-A116-5D460DCCEF0D}"/>
               </a:ext>
             </a:extLst>
           </p:cNvPr>
@@ -6941,7 +7106,7 @@
           <p:cNvPr id="4" name="Slide Number Placeholder 3">
             <a:extLst>
               <a:ext uri="{FF2B5EF4-FFF2-40B4-BE49-F238E27FC236}">
-                <a16:creationId xmlns:a16="http://schemas.microsoft.com/office/drawing/2014/main" id="{95BCECBD-F96D-47DA-9A6D-248B240ABC8D}"/>
+                <a16:creationId xmlns="" xmlns:a16="http://schemas.microsoft.com/office/drawing/2014/main" id="{95BCECBD-F96D-47DA-9A6D-248B240ABC8D}"/>
               </a:ext>
             </a:extLst>
           </p:cNvPr>
@@ -10031,7 +10196,7 @@
           <p:cNvPr id="11" name="Title 10">
             <a:extLst>
               <a:ext uri="{FF2B5EF4-FFF2-40B4-BE49-F238E27FC236}">
-                <a16:creationId xmlns:a16="http://schemas.microsoft.com/office/drawing/2014/main" id="{1F52A716-5142-4987-84C0-078D1007C406}"/>
+                <a16:creationId xmlns="" xmlns:a16="http://schemas.microsoft.com/office/drawing/2014/main" id="{1F52A716-5142-4987-84C0-078D1007C406}"/>
               </a:ext>
             </a:extLst>
           </p:cNvPr>
@@ -10153,7 +10318,7 @@
           <p:cNvPr id="3" name="Slide Number Placeholder 2">
             <a:extLst>
               <a:ext uri="{FF2B5EF4-FFF2-40B4-BE49-F238E27FC236}">
-                <a16:creationId xmlns:a16="http://schemas.microsoft.com/office/drawing/2014/main" id="{0B1163B0-19D9-4859-8B88-CD4B646011C3}"/>
+                <a16:creationId xmlns="" xmlns:a16="http://schemas.microsoft.com/office/drawing/2014/main" id="{0B1163B0-19D9-4859-8B88-CD4B646011C3}"/>
               </a:ext>
             </a:extLst>
           </p:cNvPr>
@@ -10216,7 +10381,7 @@
           <p:cNvPr id="2" name="Title 1">
             <a:extLst>
               <a:ext uri="{FF2B5EF4-FFF2-40B4-BE49-F238E27FC236}">
-                <a16:creationId xmlns:a16="http://schemas.microsoft.com/office/drawing/2014/main" id="{F1B4D30A-1B90-488C-BB6A-78C1FD54D2BA}"/>
+                <a16:creationId xmlns="" xmlns:a16="http://schemas.microsoft.com/office/drawing/2014/main" id="{F1B4D30A-1B90-488C-BB6A-78C1FD54D2BA}"/>
               </a:ext>
             </a:extLst>
           </p:cNvPr>
@@ -10244,7 +10409,7 @@
           <p:cNvPr id="3" name="Content Placeholder 2">
             <a:extLst>
               <a:ext uri="{FF2B5EF4-FFF2-40B4-BE49-F238E27FC236}">
-                <a16:creationId xmlns:a16="http://schemas.microsoft.com/office/drawing/2014/main" id="{7F079159-135B-4E15-BF78-FF37FEE53958}"/>
+                <a16:creationId xmlns="" xmlns:a16="http://schemas.microsoft.com/office/drawing/2014/main" id="{7F079159-135B-4E15-BF78-FF37FEE53958}"/>
               </a:ext>
             </a:extLst>
           </p:cNvPr>
@@ -10357,7 +10522,7 @@
           <p:cNvPr id="2" name="Title 1">
             <a:extLst>
               <a:ext uri="{FF2B5EF4-FFF2-40B4-BE49-F238E27FC236}">
-                <a16:creationId xmlns:a16="http://schemas.microsoft.com/office/drawing/2014/main" id="{BDB61177-A86A-46CE-834E-10A1A9E25161}"/>
+                <a16:creationId xmlns="" xmlns:a16="http://schemas.microsoft.com/office/drawing/2014/main" id="{BDB61177-A86A-46CE-834E-10A1A9E25161}"/>
               </a:ext>
             </a:extLst>
           </p:cNvPr>
@@ -10385,7 +10550,7 @@
           <p:cNvPr id="3" name="Content Placeholder 2">
             <a:extLst>
               <a:ext uri="{FF2B5EF4-FFF2-40B4-BE49-F238E27FC236}">
-                <a16:creationId xmlns:a16="http://schemas.microsoft.com/office/drawing/2014/main" id="{A6585EFB-8988-4BBE-B77B-7547B9E93434}"/>
+                <a16:creationId xmlns="" xmlns:a16="http://schemas.microsoft.com/office/drawing/2014/main" id="{A6585EFB-8988-4BBE-B77B-7547B9E93434}"/>
               </a:ext>
             </a:extLst>
           </p:cNvPr>
@@ -10494,7 +10659,7 @@
           <p:cNvPr id="2" name="Title 1">
             <a:extLst>
               <a:ext uri="{FF2B5EF4-FFF2-40B4-BE49-F238E27FC236}">
-                <a16:creationId xmlns:a16="http://schemas.microsoft.com/office/drawing/2014/main" id="{79289E4D-324D-402F-910C-B992E197E03B}"/>
+                <a16:creationId xmlns="" xmlns:a16="http://schemas.microsoft.com/office/drawing/2014/main" id="{79289E4D-324D-402F-910C-B992E197E03B}"/>
               </a:ext>
             </a:extLst>
           </p:cNvPr>
@@ -10522,7 +10687,7 @@
           <p:cNvPr id="3" name="Content Placeholder 2">
             <a:extLst>
               <a:ext uri="{FF2B5EF4-FFF2-40B4-BE49-F238E27FC236}">
-                <a16:creationId xmlns:a16="http://schemas.microsoft.com/office/drawing/2014/main" id="{A0D7FB48-691E-45F5-AA10-E6B84A6F203C}"/>
+                <a16:creationId xmlns="" xmlns:a16="http://schemas.microsoft.com/office/drawing/2014/main" id="{A0D7FB48-691E-45F5-AA10-E6B84A6F203C}"/>
               </a:ext>
             </a:extLst>
           </p:cNvPr>

--- a/Network-Security/Module_3_Network_Defense/Lesson_SlammerWorm.pptx
+++ b/Network-Security/Module_3_Network_Defense/Lesson_SlammerWorm.pptx
@@ -35,7 +35,7 @@
     <p:sldId id="275" r:id="rId26"/>
     <p:sldId id="276" r:id="rId27"/>
     <p:sldId id="277" r:id="rId28"/>
-    <p:sldId id="333" r:id="rId29"/>
+    <p:sldId id="398" r:id="rId29"/>
   </p:sldIdLst>
   <p:sldSz cx="9144000" cy="6858000" type="screen4x3"/>
   <p:notesSz cx="7315200" cy="9601200"/>
@@ -295,7 +295,7 @@
               <a:pPr>
                 <a:defRPr/>
               </a:pPr>
-              <a:t>4/21/18</a:t>
+              <a:t>4/24/18</a:t>
             </a:fld>
             <a:endParaRPr lang="en-US"/>
           </a:p>
@@ -961,7 +961,7 @@
     </p:spTree>
     <p:extLst>
       <p:ext uri="{BB962C8B-B14F-4D97-AF65-F5344CB8AC3E}">
-        <p14:creationId xmlns:p14="http://schemas.microsoft.com/office/powerpoint/2010/main" val="2433617412"/>
+        <p14:creationId xmlns:p14="http://schemas.microsoft.com/office/powerpoint/2010/main" val="329237807"/>
       </p:ext>
     </p:extLst>
   </p:cSld>
@@ -2925,7 +2925,7 @@
           <p:cNvPr id="2" name="Title 1">
             <a:extLst>
               <a:ext uri="{FF2B5EF4-FFF2-40B4-BE49-F238E27FC236}">
-                <a16:creationId xmlns="" xmlns:a16="http://schemas.microsoft.com/office/drawing/2014/main" id="{5C287DE2-E1A2-4F41-96FE-94AF4425CB03}"/>
+                <a16:creationId xmlns:a16="http://schemas.microsoft.com/office/drawing/2014/main" xmlns="" id="{5C287DE2-E1A2-4F41-96FE-94AF4425CB03}"/>
               </a:ext>
             </a:extLst>
           </p:cNvPr>
@@ -3071,7 +3071,7 @@
           <p:cNvPr id="3" name="Slide Number Placeholder 2">
             <a:extLst>
               <a:ext uri="{FF2B5EF4-FFF2-40B4-BE49-F238E27FC236}">
-                <a16:creationId xmlns="" xmlns:a16="http://schemas.microsoft.com/office/drawing/2014/main" id="{7D2FFADE-E1BC-48C1-83AA-6DDDD39A33C4}"/>
+                <a16:creationId xmlns:a16="http://schemas.microsoft.com/office/drawing/2014/main" xmlns="" id="{7D2FFADE-E1BC-48C1-83AA-6DDDD39A33C4}"/>
               </a:ext>
             </a:extLst>
           </p:cNvPr>
@@ -3106,7 +3106,7 @@
           <p:cNvPr id="9" name="Picture 8">
             <a:extLst>
               <a:ext uri="{FF2B5EF4-FFF2-40B4-BE49-F238E27FC236}">
-                <a16:creationId xmlns="" xmlns:a16="http://schemas.microsoft.com/office/drawing/2014/main" id="{9CBFC76A-A606-42CF-BCDF-C73975C150B9}"/>
+                <a16:creationId xmlns:a16="http://schemas.microsoft.com/office/drawing/2014/main" xmlns="" id="{9CBFC76A-A606-42CF-BCDF-C73975C150B9}"/>
               </a:ext>
             </a:extLst>
           </p:cNvPr>
@@ -6987,7 +6987,7 @@
           <p:cNvPr id="2" name="Title 1">
             <a:extLst>
               <a:ext uri="{FF2B5EF4-FFF2-40B4-BE49-F238E27FC236}">
-                <a16:creationId xmlns="" xmlns:a16="http://schemas.microsoft.com/office/drawing/2014/main" id="{4FDDDE79-84CD-4BD4-8191-64CD17F70EB2}"/>
+                <a16:creationId xmlns:a16="http://schemas.microsoft.com/office/drawing/2014/main" xmlns="" id="{4FDDDE79-84CD-4BD4-8191-64CD17F70EB2}"/>
               </a:ext>
             </a:extLst>
           </p:cNvPr>
@@ -7016,7 +7016,7 @@
           <p:cNvPr id="3" name="Content Placeholder 2">
             <a:extLst>
               <a:ext uri="{FF2B5EF4-FFF2-40B4-BE49-F238E27FC236}">
-                <a16:creationId xmlns="" xmlns:a16="http://schemas.microsoft.com/office/drawing/2014/main" id="{1E11D7D9-AFF5-4F1C-A116-5D460DCCEF0D}"/>
+                <a16:creationId xmlns:a16="http://schemas.microsoft.com/office/drawing/2014/main" xmlns="" id="{1E11D7D9-AFF5-4F1C-A116-5D460DCCEF0D}"/>
               </a:ext>
             </a:extLst>
           </p:cNvPr>
@@ -7106,7 +7106,7 @@
           <p:cNvPr id="4" name="Slide Number Placeholder 3">
             <a:extLst>
               <a:ext uri="{FF2B5EF4-FFF2-40B4-BE49-F238E27FC236}">
-                <a16:creationId xmlns="" xmlns:a16="http://schemas.microsoft.com/office/drawing/2014/main" id="{95BCECBD-F96D-47DA-9A6D-248B240ABC8D}"/>
+                <a16:creationId xmlns:a16="http://schemas.microsoft.com/office/drawing/2014/main" xmlns="" id="{95BCECBD-F96D-47DA-9A6D-248B240ABC8D}"/>
               </a:ext>
             </a:extLst>
           </p:cNvPr>
@@ -10193,10 +10193,10 @@
       </p:grpSpPr>
       <p:sp>
         <p:nvSpPr>
-          <p:cNvPr id="11" name="Title 10">
+          <p:cNvPr id="7" name="Slide Number Placeholder 6">
             <a:extLst>
               <a:ext uri="{FF2B5EF4-FFF2-40B4-BE49-F238E27FC236}">
-                <a16:creationId xmlns="" xmlns:a16="http://schemas.microsoft.com/office/drawing/2014/main" id="{1F52A716-5142-4987-84C0-078D1007C406}"/>
+                <a16:creationId xmlns="" xmlns:a16="http://schemas.microsoft.com/office/drawing/2014/main" id="{27B55DC7-B95B-4807-B808-1E7A81E0F45A}"/>
               </a:ext>
             </a:extLst>
           </p:cNvPr>
@@ -10204,7 +10204,7 @@
             <a:spLocks noGrp="1"/>
           </p:cNvSpPr>
           <p:nvPr>
-            <p:ph type="title"/>
+            <p:ph type="sldNum" sz="quarter" idx="10"/>
           </p:nvPr>
         </p:nvSpPr>
         <p:spPr/>
@@ -10212,7 +10212,332 @@
           <a:bodyPr/>
           <a:lstStyle/>
           <a:p>
+            <a:fld id="{FB267019-40B7-405C-98B7-75F3216AFF79}" type="slidenum">
+              <a:rPr lang="en-US" smtClean="0"/>
+              <a:pPr/>
+              <a:t>28</a:t>
+            </a:fld>
             <a:endParaRPr lang="en-US" dirty="0"/>
+          </a:p>
+        </p:txBody>
+      </p:sp>
+      <p:sp>
+        <p:nvSpPr>
+          <p:cNvPr id="19" name="Text Placeholder 7">
+            <a:extLst>
+              <a:ext uri="{FF2B5EF4-FFF2-40B4-BE49-F238E27FC236}">
+                <a16:creationId xmlns="" xmlns:a16="http://schemas.microsoft.com/office/drawing/2014/main" id="{2785A2B3-FCF4-4D59-9841-12917D91B27A}"/>
+              </a:ext>
+            </a:extLst>
+          </p:cNvPr>
+          <p:cNvSpPr txBox="1">
+            <a:spLocks/>
+          </p:cNvSpPr>
+          <p:nvPr/>
+        </p:nvSpPr>
+        <p:spPr>
+          <a:xfrm>
+            <a:off x="725683" y="871606"/>
+            <a:ext cx="7893050" cy="5114787"/>
+          </a:xfrm>
+          <a:prstGeom prst="rect">
+            <a:avLst/>
+          </a:prstGeom>
+        </p:spPr>
+        <p:txBody>
+          <a:bodyPr/>
+          <a:lstStyle>
+            <a:lvl1pPr marL="0" indent="0" algn="ctr" defTabSz="685800" rtl="0" eaLnBrk="0" fontAlgn="base" hangingPunct="0">
+              <a:lnSpc>
+                <a:spcPct val="90000"/>
+              </a:lnSpc>
+              <a:spcBef>
+                <a:spcPts val="750"/>
+              </a:spcBef>
+              <a:spcAft>
+                <a:spcPct val="0"/>
+              </a:spcAft>
+              <a:buFont typeface="Arial" charset="0"/>
+              <a:buNone/>
+              <a:defRPr sz="1800" kern="1200">
+                <a:solidFill>
+                  <a:schemeClr val="tx1"/>
+                </a:solidFill>
+                <a:latin typeface="+mn-lt"/>
+                <a:ea typeface="+mn-ea"/>
+                <a:cs typeface="+mn-cs"/>
+              </a:defRPr>
+            </a:lvl1pPr>
+            <a:lvl2pPr marL="514350" indent="-171450" algn="l" defTabSz="685800" rtl="0" eaLnBrk="0" fontAlgn="base" hangingPunct="0">
+              <a:lnSpc>
+                <a:spcPct val="90000"/>
+              </a:lnSpc>
+              <a:spcBef>
+                <a:spcPts val="375"/>
+              </a:spcBef>
+              <a:spcAft>
+                <a:spcPct val="0"/>
+              </a:spcAft>
+              <a:buFont typeface="Arial" charset="0"/>
+              <a:buChar char="•"/>
+              <a:defRPr sz="2400" kern="1200">
+                <a:solidFill>
+                  <a:schemeClr val="tx1"/>
+                </a:solidFill>
+                <a:latin typeface="+mn-lt"/>
+                <a:ea typeface="+mn-ea"/>
+                <a:cs typeface="+mn-cs"/>
+              </a:defRPr>
+            </a:lvl2pPr>
+            <a:lvl3pPr marL="857250" indent="-171450" algn="l" defTabSz="685800" rtl="0" eaLnBrk="0" fontAlgn="base" hangingPunct="0">
+              <a:lnSpc>
+                <a:spcPct val="90000"/>
+              </a:lnSpc>
+              <a:spcBef>
+                <a:spcPts val="375"/>
+              </a:spcBef>
+              <a:spcAft>
+                <a:spcPct val="0"/>
+              </a:spcAft>
+              <a:buFont typeface="Arial" charset="0"/>
+              <a:buChar char="•"/>
+              <a:defRPr sz="1800" kern="1200">
+                <a:solidFill>
+                  <a:schemeClr val="tx1"/>
+                </a:solidFill>
+                <a:latin typeface="+mn-lt"/>
+                <a:ea typeface="+mn-ea"/>
+                <a:cs typeface="+mn-cs"/>
+              </a:defRPr>
+            </a:lvl3pPr>
+            <a:lvl4pPr marL="1200150" indent="-171450" algn="l" defTabSz="685800" rtl="0" eaLnBrk="0" fontAlgn="base" hangingPunct="0">
+              <a:lnSpc>
+                <a:spcPct val="90000"/>
+              </a:lnSpc>
+              <a:spcBef>
+                <a:spcPts val="375"/>
+              </a:spcBef>
+              <a:spcAft>
+                <a:spcPct val="0"/>
+              </a:spcAft>
+              <a:buFont typeface="Arial" charset="0"/>
+              <a:buChar char="•"/>
+              <a:defRPr sz="1600" kern="1200">
+                <a:solidFill>
+                  <a:schemeClr val="tx1"/>
+                </a:solidFill>
+                <a:latin typeface="+mn-lt"/>
+                <a:ea typeface="+mn-ea"/>
+                <a:cs typeface="+mn-cs"/>
+              </a:defRPr>
+            </a:lvl4pPr>
+            <a:lvl5pPr marL="1543050" indent="-171450" algn="l" defTabSz="685800" rtl="0" eaLnBrk="0" fontAlgn="base" hangingPunct="0">
+              <a:lnSpc>
+                <a:spcPct val="90000"/>
+              </a:lnSpc>
+              <a:spcBef>
+                <a:spcPts val="375"/>
+              </a:spcBef>
+              <a:spcAft>
+                <a:spcPct val="0"/>
+              </a:spcAft>
+              <a:buFont typeface="Arial" charset="0"/>
+              <a:buChar char="•"/>
+              <a:defRPr sz="1600" kern="1200">
+                <a:solidFill>
+                  <a:schemeClr val="tx1"/>
+                </a:solidFill>
+                <a:latin typeface="+mn-lt"/>
+                <a:ea typeface="+mn-ea"/>
+                <a:cs typeface="+mn-cs"/>
+              </a:defRPr>
+            </a:lvl5pPr>
+            <a:lvl6pPr marL="1885950" indent="-171450" algn="l" defTabSz="685800" rtl="0" eaLnBrk="1" latinLnBrk="0" hangingPunct="1">
+              <a:lnSpc>
+                <a:spcPct val="90000"/>
+              </a:lnSpc>
+              <a:spcBef>
+                <a:spcPts val="375"/>
+              </a:spcBef>
+              <a:buFont typeface="Arial" panose="020B0604020202020204" pitchFamily="34" charset="0"/>
+              <a:buChar char="•"/>
+              <a:defRPr sz="1350" kern="1200">
+                <a:solidFill>
+                  <a:schemeClr val="tx1"/>
+                </a:solidFill>
+                <a:latin typeface="+mn-lt"/>
+                <a:ea typeface="+mn-ea"/>
+                <a:cs typeface="+mn-cs"/>
+              </a:defRPr>
+            </a:lvl6pPr>
+            <a:lvl7pPr marL="2228850" indent="-171450" algn="l" defTabSz="685800" rtl="0" eaLnBrk="1" latinLnBrk="0" hangingPunct="1">
+              <a:lnSpc>
+                <a:spcPct val="90000"/>
+              </a:lnSpc>
+              <a:spcBef>
+                <a:spcPts val="375"/>
+              </a:spcBef>
+              <a:buFont typeface="Arial" panose="020B0604020202020204" pitchFamily="34" charset="0"/>
+              <a:buChar char="•"/>
+              <a:defRPr sz="1350" kern="1200">
+                <a:solidFill>
+                  <a:schemeClr val="tx1"/>
+                </a:solidFill>
+                <a:latin typeface="+mn-lt"/>
+                <a:ea typeface="+mn-ea"/>
+                <a:cs typeface="+mn-cs"/>
+              </a:defRPr>
+            </a:lvl7pPr>
+            <a:lvl8pPr marL="2571750" indent="-171450" algn="l" defTabSz="685800" rtl="0" eaLnBrk="1" latinLnBrk="0" hangingPunct="1">
+              <a:lnSpc>
+                <a:spcPct val="90000"/>
+              </a:lnSpc>
+              <a:spcBef>
+                <a:spcPts val="375"/>
+              </a:spcBef>
+              <a:buFont typeface="Arial" panose="020B0604020202020204" pitchFamily="34" charset="0"/>
+              <a:buChar char="•"/>
+              <a:defRPr sz="1350" kern="1200">
+                <a:solidFill>
+                  <a:schemeClr val="tx1"/>
+                </a:solidFill>
+                <a:latin typeface="+mn-lt"/>
+                <a:ea typeface="+mn-ea"/>
+                <a:cs typeface="+mn-cs"/>
+              </a:defRPr>
+            </a:lvl8pPr>
+            <a:lvl9pPr marL="2914650" indent="-171450" algn="l" defTabSz="685800" rtl="0" eaLnBrk="1" latinLnBrk="0" hangingPunct="1">
+              <a:lnSpc>
+                <a:spcPct val="90000"/>
+              </a:lnSpc>
+              <a:spcBef>
+                <a:spcPts val="375"/>
+              </a:spcBef>
+              <a:buFont typeface="Arial" panose="020B0604020202020204" pitchFamily="34" charset="0"/>
+              <a:buChar char="•"/>
+              <a:defRPr sz="1350" kern="1200">
+                <a:solidFill>
+                  <a:schemeClr val="tx1"/>
+                </a:solidFill>
+                <a:latin typeface="+mn-lt"/>
+                <a:ea typeface="+mn-ea"/>
+                <a:cs typeface="+mn-cs"/>
+              </a:defRPr>
+            </a:lvl9pPr>
+          </a:lstStyle>
+          <a:p>
+            <a:r>
+              <a:rPr lang="en-US" dirty="0"/>
+              <a:t>Please attribute Dr. Jim Alves-Foss and Dr. Jia Song, University of Idaho</a:t>
+            </a:r>
+            <a:br>
+              <a:rPr lang="en-US" dirty="0"/>
+            </a:br>
+            <a:r>
+              <a:rPr lang="en-US" dirty="0"/>
+              <a:t/>
+            </a:r>
+            <a:br>
+              <a:rPr lang="en-US" dirty="0"/>
+            </a:br>
+            <a:r>
+              <a:rPr lang="en-US" dirty="0"/>
+              <a:t/>
+            </a:r>
+            <a:br>
+              <a:rPr lang="en-US" dirty="0"/>
+            </a:br>
+            <a:r>
+              <a:rPr lang="en-US" dirty="0"/>
+              <a:t/>
+            </a:r>
+            <a:br>
+              <a:rPr lang="en-US" dirty="0"/>
+            </a:br>
+            <a:r>
+              <a:rPr lang="en-US" dirty="0"/>
+              <a:t/>
+            </a:r>
+            <a:br>
+              <a:rPr lang="en-US" dirty="0"/>
+            </a:br>
+            <a:r>
+              <a:rPr lang="en-US" dirty="0"/>
+              <a:t/>
+            </a:r>
+            <a:br>
+              <a:rPr lang="en-US" dirty="0"/>
+            </a:br>
+            <a:r>
+              <a:rPr lang="en-US" dirty="0"/>
+              <a:t/>
+            </a:r>
+            <a:br>
+              <a:rPr lang="en-US" dirty="0"/>
+            </a:br>
+            <a:r>
+              <a:rPr lang="en-US" dirty="0"/>
+              <a:t/>
+            </a:r>
+            <a:br>
+              <a:rPr lang="en-US" dirty="0"/>
+            </a:br>
+            <a:endParaRPr lang="en-US" dirty="0"/>
+          </a:p>
+          <a:p>
+            <a:r>
+              <a:rPr lang="en-US" sz="1600" dirty="0"/>
+              <a:t>Except where otherwise noted, this work is licensed under https://creativecommons.org/licenses/by-nc-sa/4.0/</a:t>
+            </a:r>
+            <a:br>
+              <a:rPr lang="en-US" sz="1600" dirty="0"/>
+            </a:br>
+            <a:r>
+              <a:rPr lang="en-US" sz="1600" dirty="0"/>
+              <a:t/>
+            </a:r>
+            <a:br>
+              <a:rPr lang="en-US" sz="1600" dirty="0"/>
+            </a:br>
+            <a:r>
+              <a:rPr lang="en-US" sz="1600" dirty="0"/>
+              <a:t>Not withstanding the non-commercial license terms, non-profit educational institutions are granted a non-exclusive license to adapt and use this material, with attribution.</a:t>
+            </a:r>
+            <a:br>
+              <a:rPr lang="en-US" sz="1600" dirty="0"/>
+            </a:br>
+            <a:r>
+              <a:rPr lang="en-US" sz="1600" dirty="0"/>
+              <a:t/>
+            </a:r>
+            <a:br>
+              <a:rPr lang="en-US" sz="1600" dirty="0"/>
+            </a:br>
+            <a:r>
+              <a:rPr lang="en-US" sz="1600" dirty="0"/>
+              <a:t>Creative Commons and the double C in a circle are registered trademarks of Creative commons in the United States and other countries. Third party marks and brands are the property of their respective holders</a:t>
+            </a:r>
+            <a:r>
+              <a:rPr lang="en-US" sz="1600" dirty="0" smtClean="0"/>
+              <a:t>.</a:t>
+            </a:r>
+          </a:p>
+          <a:p>
+            <a:r>
+              <a:rPr lang="en-US" sz="1600" dirty="0"/>
+              <a:t>Project sponsored by the National Security Agency under grant Number </a:t>
+            </a:r>
+            <a:r>
+              <a:rPr lang="en-US" sz="1600" dirty="0" smtClean="0"/>
+              <a:t>H98230-17-1-0199. The </a:t>
+            </a:r>
+            <a:r>
+              <a:rPr lang="en-US" sz="1600" dirty="0"/>
+              <a:t>United States Government is authorized to reproduce and distribute reprints notwithstanding any copyright notation herein.</a:t>
+            </a:r>
+          </a:p>
+          <a:p>
+            <a:endParaRPr lang="en-US" sz="1600" dirty="0"/>
           </a:p>
         </p:txBody>
       </p:sp>
@@ -10222,7 +10547,7 @@
     </p:custDataLst>
     <p:extLst>
       <p:ext uri="{BB962C8B-B14F-4D97-AF65-F5344CB8AC3E}">
-        <p14:creationId xmlns:p14="http://schemas.microsoft.com/office/powerpoint/2010/main" val="1892705052"/>
+        <p14:creationId xmlns:p14="http://schemas.microsoft.com/office/powerpoint/2010/main" val="1644460271"/>
       </p:ext>
     </p:extLst>
   </p:cSld>
@@ -10318,7 +10643,7 @@
           <p:cNvPr id="3" name="Slide Number Placeholder 2">
             <a:extLst>
               <a:ext uri="{FF2B5EF4-FFF2-40B4-BE49-F238E27FC236}">
-                <a16:creationId xmlns="" xmlns:a16="http://schemas.microsoft.com/office/drawing/2014/main" id="{0B1163B0-19D9-4859-8B88-CD4B646011C3}"/>
+                <a16:creationId xmlns:a16="http://schemas.microsoft.com/office/drawing/2014/main" xmlns="" id="{0B1163B0-19D9-4859-8B88-CD4B646011C3}"/>
               </a:ext>
             </a:extLst>
           </p:cNvPr>
@@ -10381,7 +10706,7 @@
           <p:cNvPr id="2" name="Title 1">
             <a:extLst>
               <a:ext uri="{FF2B5EF4-FFF2-40B4-BE49-F238E27FC236}">
-                <a16:creationId xmlns="" xmlns:a16="http://schemas.microsoft.com/office/drawing/2014/main" id="{F1B4D30A-1B90-488C-BB6A-78C1FD54D2BA}"/>
+                <a16:creationId xmlns:a16="http://schemas.microsoft.com/office/drawing/2014/main" xmlns="" id="{F1B4D30A-1B90-488C-BB6A-78C1FD54D2BA}"/>
               </a:ext>
             </a:extLst>
           </p:cNvPr>
@@ -10409,7 +10734,7 @@
           <p:cNvPr id="3" name="Content Placeholder 2">
             <a:extLst>
               <a:ext uri="{FF2B5EF4-FFF2-40B4-BE49-F238E27FC236}">
-                <a16:creationId xmlns="" xmlns:a16="http://schemas.microsoft.com/office/drawing/2014/main" id="{7F079159-135B-4E15-BF78-FF37FEE53958}"/>
+                <a16:creationId xmlns:a16="http://schemas.microsoft.com/office/drawing/2014/main" xmlns="" id="{7F079159-135B-4E15-BF78-FF37FEE53958}"/>
               </a:ext>
             </a:extLst>
           </p:cNvPr>
@@ -10522,7 +10847,7 @@
           <p:cNvPr id="2" name="Title 1">
             <a:extLst>
               <a:ext uri="{FF2B5EF4-FFF2-40B4-BE49-F238E27FC236}">
-                <a16:creationId xmlns="" xmlns:a16="http://schemas.microsoft.com/office/drawing/2014/main" id="{BDB61177-A86A-46CE-834E-10A1A9E25161}"/>
+                <a16:creationId xmlns:a16="http://schemas.microsoft.com/office/drawing/2014/main" xmlns="" id="{BDB61177-A86A-46CE-834E-10A1A9E25161}"/>
               </a:ext>
             </a:extLst>
           </p:cNvPr>
@@ -10550,7 +10875,7 @@
           <p:cNvPr id="3" name="Content Placeholder 2">
             <a:extLst>
               <a:ext uri="{FF2B5EF4-FFF2-40B4-BE49-F238E27FC236}">
-                <a16:creationId xmlns="" xmlns:a16="http://schemas.microsoft.com/office/drawing/2014/main" id="{A6585EFB-8988-4BBE-B77B-7547B9E93434}"/>
+                <a16:creationId xmlns:a16="http://schemas.microsoft.com/office/drawing/2014/main" xmlns="" id="{A6585EFB-8988-4BBE-B77B-7547B9E93434}"/>
               </a:ext>
             </a:extLst>
           </p:cNvPr>
@@ -10659,7 +10984,7 @@
           <p:cNvPr id="2" name="Title 1">
             <a:extLst>
               <a:ext uri="{FF2B5EF4-FFF2-40B4-BE49-F238E27FC236}">
-                <a16:creationId xmlns="" xmlns:a16="http://schemas.microsoft.com/office/drawing/2014/main" id="{79289E4D-324D-402F-910C-B992E197E03B}"/>
+                <a16:creationId xmlns:a16="http://schemas.microsoft.com/office/drawing/2014/main" xmlns="" id="{79289E4D-324D-402F-910C-B992E197E03B}"/>
               </a:ext>
             </a:extLst>
           </p:cNvPr>
@@ -10687,7 +11012,7 @@
           <p:cNvPr id="3" name="Content Placeholder 2">
             <a:extLst>
               <a:ext uri="{FF2B5EF4-FFF2-40B4-BE49-F238E27FC236}">
-                <a16:creationId xmlns="" xmlns:a16="http://schemas.microsoft.com/office/drawing/2014/main" id="{A0D7FB48-691E-45F5-AA10-E6B84A6F203C}"/>
+                <a16:creationId xmlns:a16="http://schemas.microsoft.com/office/drawing/2014/main" xmlns="" id="{A0D7FB48-691E-45F5-AA10-E6B84A6F203C}"/>
               </a:ext>
             </a:extLst>
           </p:cNvPr>
@@ -11713,6 +12038,13 @@
 <file path=ppt/tags/tag39.xml><?xml version="1.0" encoding="utf-8"?>
 <p:tagLst xmlns:a="http://schemas.openxmlformats.org/drawingml/2006/main" xmlns:r="http://schemas.openxmlformats.org/officeDocument/2006/relationships" xmlns:p="http://schemas.openxmlformats.org/presentationml/2006/main">
   <p:tag name="AUDIO_ID" val="333"/>
+  <p:tag name="ARTICULATE_NAV_LEVEL" val="1"/>
+  <p:tag name="ARTICULATE_TOC_EXPANDED" val="True"/>
+  <p:tag name="ARTICULATE_SLIDE_PRESENTER_GUID" val="b6afec6b-4ad9-49aa-931c-79381ce9333b"/>
+  <p:tag name="ARTICULATE_SLIDE_PAUSE" val="0"/>
+  <p:tag name="ARTICULATE_HIDE_SLIDE" val="0"/>
+  <p:tag name="ARTICULATE_PLAYER_CONTROL_PREVIOUS" val="True"/>
+  <p:tag name="ARTICULATE_PLAYER_CONTROL_NEXT" val="True"/>
   <p:tag name="ARTICULATE_USED_LAYOUT" val="9"/>
   <p:tag name="ARTICULATE_SLIDE_THUMBNAIL_REFRESH" val="1"/>
 </p:tagLst>
